--- a/Class Slides 2024/Class 9.pptx
+++ b/Class Slides 2024/Class 9.pptx
@@ -217,7 +217,7 @@
           <a:p>
             <a:fld id="{61DA0A6F-04A1-4018-814E-B14B9F1D8F64}" type="datetimeFigureOut">
               <a:rPr lang="en-US" smtClean="0"/>
-              <a:t>1/11/2024</a:t>
+              <a:t>1/17/2024</a:t>
             </a:fld>
             <a:endParaRPr lang="en-US"/>
           </a:p>
@@ -848,7 +848,7 @@
           <a:p>
             <a:fld id="{658CE488-0C45-4C90-8B4B-0A64883178EB}" type="datetimeFigureOut">
               <a:rPr lang="en-US" smtClean="0"/>
-              <a:t>1/11/2024</a:t>
+              <a:t>1/17/2024</a:t>
             </a:fld>
             <a:endParaRPr lang="en-US"/>
           </a:p>
@@ -1046,7 +1046,7 @@
           <a:p>
             <a:fld id="{658CE488-0C45-4C90-8B4B-0A64883178EB}" type="datetimeFigureOut">
               <a:rPr lang="en-US" smtClean="0"/>
-              <a:t>1/11/2024</a:t>
+              <a:t>1/17/2024</a:t>
             </a:fld>
             <a:endParaRPr lang="en-US"/>
           </a:p>
@@ -1254,7 +1254,7 @@
           <a:p>
             <a:fld id="{658CE488-0C45-4C90-8B4B-0A64883178EB}" type="datetimeFigureOut">
               <a:rPr lang="en-US" smtClean="0"/>
-              <a:t>1/11/2024</a:t>
+              <a:t>1/17/2024</a:t>
             </a:fld>
             <a:endParaRPr lang="en-US"/>
           </a:p>
@@ -1452,7 +1452,7 @@
           <a:p>
             <a:fld id="{658CE488-0C45-4C90-8B4B-0A64883178EB}" type="datetimeFigureOut">
               <a:rPr lang="en-US" smtClean="0"/>
-              <a:t>1/11/2024</a:t>
+              <a:t>1/17/2024</a:t>
             </a:fld>
             <a:endParaRPr lang="en-US"/>
           </a:p>
@@ -1727,7 +1727,7 @@
           <a:p>
             <a:fld id="{658CE488-0C45-4C90-8B4B-0A64883178EB}" type="datetimeFigureOut">
               <a:rPr lang="en-US" smtClean="0"/>
-              <a:t>1/11/2024</a:t>
+              <a:t>1/17/2024</a:t>
             </a:fld>
             <a:endParaRPr lang="en-US"/>
           </a:p>
@@ -1992,7 +1992,7 @@
           <a:p>
             <a:fld id="{658CE488-0C45-4C90-8B4B-0A64883178EB}" type="datetimeFigureOut">
               <a:rPr lang="en-US" smtClean="0"/>
-              <a:t>1/11/2024</a:t>
+              <a:t>1/17/2024</a:t>
             </a:fld>
             <a:endParaRPr lang="en-US"/>
           </a:p>
@@ -2404,7 +2404,7 @@
           <a:p>
             <a:fld id="{658CE488-0C45-4C90-8B4B-0A64883178EB}" type="datetimeFigureOut">
               <a:rPr lang="en-US" smtClean="0"/>
-              <a:t>1/11/2024</a:t>
+              <a:t>1/17/2024</a:t>
             </a:fld>
             <a:endParaRPr lang="en-US"/>
           </a:p>
@@ -2545,7 +2545,7 @@
           <a:p>
             <a:fld id="{658CE488-0C45-4C90-8B4B-0A64883178EB}" type="datetimeFigureOut">
               <a:rPr lang="en-US" smtClean="0"/>
-              <a:t>1/11/2024</a:t>
+              <a:t>1/17/2024</a:t>
             </a:fld>
             <a:endParaRPr lang="en-US"/>
           </a:p>
@@ -2658,7 +2658,7 @@
           <a:p>
             <a:fld id="{658CE488-0C45-4C90-8B4B-0A64883178EB}" type="datetimeFigureOut">
               <a:rPr lang="en-US" smtClean="0"/>
-              <a:t>1/11/2024</a:t>
+              <a:t>1/17/2024</a:t>
             </a:fld>
             <a:endParaRPr lang="en-US"/>
           </a:p>
@@ -2969,7 +2969,7 @@
           <a:p>
             <a:fld id="{658CE488-0C45-4C90-8B4B-0A64883178EB}" type="datetimeFigureOut">
               <a:rPr lang="en-US" smtClean="0"/>
-              <a:t>1/11/2024</a:t>
+              <a:t>1/17/2024</a:t>
             </a:fld>
             <a:endParaRPr lang="en-US"/>
           </a:p>
@@ -3257,7 +3257,7 @@
           <a:p>
             <a:fld id="{658CE488-0C45-4C90-8B4B-0A64883178EB}" type="datetimeFigureOut">
               <a:rPr lang="en-US" smtClean="0"/>
-              <a:t>1/11/2024</a:t>
+              <a:t>1/17/2024</a:t>
             </a:fld>
             <a:endParaRPr lang="en-US"/>
           </a:p>
@@ -3498,7 +3498,7 @@
           <a:p>
             <a:fld id="{658CE488-0C45-4C90-8B4B-0A64883178EB}" type="datetimeFigureOut">
               <a:rPr lang="en-US" smtClean="0"/>
-              <a:t>1/11/2024</a:t>
+              <a:t>1/17/2024</a:t>
             </a:fld>
             <a:endParaRPr lang="en-US"/>
           </a:p>
@@ -5346,7 +5346,7 @@
           <a:p>
             <a:r>
               <a:rPr lang="en-US" dirty="0"/>
-              <a:t>For Wed Oct 12</a:t>
+              <a:t>For Wed Jan 24</a:t>
             </a:r>
           </a:p>
         </p:txBody>
@@ -5418,8 +5418,12 @@
           </a:p>
           <a:p>
             <a:r>
-              <a:rPr lang="en-US" dirty="0"/>
-              <a:t>Friday Oct 14 will be Chapter 9, Factorial design</a:t>
+              <a:rPr lang="en-US"/>
+              <a:t>Friday Jan 26 will </a:t>
+            </a:r>
+            <a:r>
+              <a:rPr lang="en-US" dirty="0"/>
+              <a:t>be Chapter 9, Factorial design</a:t>
             </a:r>
           </a:p>
           <a:p>

--- a/Class Slides 2024/Class 9.pptx
+++ b/Class Slides 2024/Class 9.pptx
@@ -217,7 +217,7 @@
           <a:p>
             <a:fld id="{61DA0A6F-04A1-4018-814E-B14B9F1D8F64}" type="datetimeFigureOut">
               <a:rPr lang="en-US" smtClean="0"/>
-              <a:t>1/17/2024</a:t>
+              <a:t>1/21/2024</a:t>
             </a:fld>
             <a:endParaRPr lang="en-US"/>
           </a:p>
@@ -848,7 +848,7 @@
           <a:p>
             <a:fld id="{658CE488-0C45-4C90-8B4B-0A64883178EB}" type="datetimeFigureOut">
               <a:rPr lang="en-US" smtClean="0"/>
-              <a:t>1/17/2024</a:t>
+              <a:t>1/21/2024</a:t>
             </a:fld>
             <a:endParaRPr lang="en-US"/>
           </a:p>
@@ -1046,7 +1046,7 @@
           <a:p>
             <a:fld id="{658CE488-0C45-4C90-8B4B-0A64883178EB}" type="datetimeFigureOut">
               <a:rPr lang="en-US" smtClean="0"/>
-              <a:t>1/17/2024</a:t>
+              <a:t>1/21/2024</a:t>
             </a:fld>
             <a:endParaRPr lang="en-US"/>
           </a:p>
@@ -1254,7 +1254,7 @@
           <a:p>
             <a:fld id="{658CE488-0C45-4C90-8B4B-0A64883178EB}" type="datetimeFigureOut">
               <a:rPr lang="en-US" smtClean="0"/>
-              <a:t>1/17/2024</a:t>
+              <a:t>1/21/2024</a:t>
             </a:fld>
             <a:endParaRPr lang="en-US"/>
           </a:p>
@@ -1452,7 +1452,7 @@
           <a:p>
             <a:fld id="{658CE488-0C45-4C90-8B4B-0A64883178EB}" type="datetimeFigureOut">
               <a:rPr lang="en-US" smtClean="0"/>
-              <a:t>1/17/2024</a:t>
+              <a:t>1/21/2024</a:t>
             </a:fld>
             <a:endParaRPr lang="en-US"/>
           </a:p>
@@ -1727,7 +1727,7 @@
           <a:p>
             <a:fld id="{658CE488-0C45-4C90-8B4B-0A64883178EB}" type="datetimeFigureOut">
               <a:rPr lang="en-US" smtClean="0"/>
-              <a:t>1/17/2024</a:t>
+              <a:t>1/21/2024</a:t>
             </a:fld>
             <a:endParaRPr lang="en-US"/>
           </a:p>
@@ -1992,7 +1992,7 @@
           <a:p>
             <a:fld id="{658CE488-0C45-4C90-8B4B-0A64883178EB}" type="datetimeFigureOut">
               <a:rPr lang="en-US" smtClean="0"/>
-              <a:t>1/17/2024</a:t>
+              <a:t>1/21/2024</a:t>
             </a:fld>
             <a:endParaRPr lang="en-US"/>
           </a:p>
@@ -2404,7 +2404,7 @@
           <a:p>
             <a:fld id="{658CE488-0C45-4C90-8B4B-0A64883178EB}" type="datetimeFigureOut">
               <a:rPr lang="en-US" smtClean="0"/>
-              <a:t>1/17/2024</a:t>
+              <a:t>1/21/2024</a:t>
             </a:fld>
             <a:endParaRPr lang="en-US"/>
           </a:p>
@@ -2545,7 +2545,7 @@
           <a:p>
             <a:fld id="{658CE488-0C45-4C90-8B4B-0A64883178EB}" type="datetimeFigureOut">
               <a:rPr lang="en-US" smtClean="0"/>
-              <a:t>1/17/2024</a:t>
+              <a:t>1/21/2024</a:t>
             </a:fld>
             <a:endParaRPr lang="en-US"/>
           </a:p>
@@ -2658,7 +2658,7 @@
           <a:p>
             <a:fld id="{658CE488-0C45-4C90-8B4B-0A64883178EB}" type="datetimeFigureOut">
               <a:rPr lang="en-US" smtClean="0"/>
-              <a:t>1/17/2024</a:t>
+              <a:t>1/21/2024</a:t>
             </a:fld>
             <a:endParaRPr lang="en-US"/>
           </a:p>
@@ -2969,7 +2969,7 @@
           <a:p>
             <a:fld id="{658CE488-0C45-4C90-8B4B-0A64883178EB}" type="datetimeFigureOut">
               <a:rPr lang="en-US" smtClean="0"/>
-              <a:t>1/17/2024</a:t>
+              <a:t>1/21/2024</a:t>
             </a:fld>
             <a:endParaRPr lang="en-US"/>
           </a:p>
@@ -3257,7 +3257,7 @@
           <a:p>
             <a:fld id="{658CE488-0C45-4C90-8B4B-0A64883178EB}" type="datetimeFigureOut">
               <a:rPr lang="en-US" smtClean="0"/>
-              <a:t>1/17/2024</a:t>
+              <a:t>1/21/2024</a:t>
             </a:fld>
             <a:endParaRPr lang="en-US"/>
           </a:p>
@@ -3498,7 +3498,7 @@
           <a:p>
             <a:fld id="{658CE488-0C45-4C90-8B4B-0A64883178EB}" type="datetimeFigureOut">
               <a:rPr lang="en-US" smtClean="0"/>
-              <a:t>1/17/2024</a:t>
+              <a:t>1/21/2024</a:t>
             </a:fld>
             <a:endParaRPr lang="en-US"/>
           </a:p>
